--- a/dia4/lab4_glmm.pptx
+++ b/dia4/lab4_glmm.pptx
@@ -214,7 +214,7 @@
           <a:p>
             <a:fld id="{9EC8F33C-A7AA-43A7-BCA9-F081EA0B4664}" type="datetimeFigureOut">
               <a:rPr lang="en-US" smtClean="0"/>
-              <a:t>1/16/2019</a:t>
+              <a:t>1/21/2019</a:t>
             </a:fld>
             <a:endParaRPr lang="en-US"/>
           </a:p>
@@ -563,7 +563,7 @@
           </a:ln>
           <a:extLst>
             <a:ext uri="{909E8E84-426E-40dd-AFC4-6F175D3DCCD1}">
-              <a14:hiddenFill xmlns="" xmlns:a14="http://schemas.microsoft.com/office/drawing/2010/main">
+              <a14:hiddenFill xmlns:a14="http://schemas.microsoft.com/office/drawing/2010/main" xmlns="">
                 <a:solidFill>
                   <a:srgbClr val="FFFFFF"/>
                 </a:solidFill>
@@ -606,7 +606,7 @@
           </a:ln>
           <a:extLst>
             <a:ext uri="{909E8E84-426E-40dd-AFC4-6F175D3DCCD1}">
-              <a14:hiddenFill xmlns="" xmlns:a14="http://schemas.microsoft.com/office/drawing/2010/main">
+              <a14:hiddenFill xmlns:a14="http://schemas.microsoft.com/office/drawing/2010/main" xmlns="">
                 <a:noFill/>
               </a14:hiddenFill>
             </a:ext>
@@ -705,7 +705,7 @@
           <a:p>
             <a:fld id="{9A356AEA-056F-417E-9B38-4BA8743FE6C4}" type="datetime1">
               <a:rPr lang="en-US" smtClean="0"/>
-              <a:t>1/16/2019</a:t>
+              <a:t>1/21/2019</a:t>
             </a:fld>
             <a:endParaRPr lang="en-US"/>
           </a:p>
@@ -892,7 +892,7 @@
           <a:p>
             <a:fld id="{09867F7C-1948-4907-9EBC-DD38682B5188}" type="datetime1">
               <a:rPr lang="en-US" smtClean="0"/>
-              <a:t>1/16/2019</a:t>
+              <a:t>1/21/2019</a:t>
             </a:fld>
             <a:endParaRPr lang="en-US"/>
           </a:p>
@@ -1088,7 +1088,7 @@
           <a:p>
             <a:fld id="{A5996870-3492-4879-A20C-50CF7F25E309}" type="datetime1">
               <a:rPr lang="en-US" smtClean="0"/>
-              <a:t>1/16/2019</a:t>
+              <a:t>1/21/2019</a:t>
             </a:fld>
             <a:endParaRPr lang="en-US"/>
           </a:p>
@@ -1340,7 +1340,7 @@
           <a:p>
             <a:fld id="{3339509F-2835-4D20-8448-C5CCD453FC4A}" type="datetime1">
               <a:rPr lang="en-US" smtClean="0"/>
-              <a:t>1/16/2019</a:t>
+              <a:t>1/21/2019</a:t>
             </a:fld>
             <a:endParaRPr lang="en-US"/>
           </a:p>
@@ -1564,7 +1564,7 @@
           <a:p>
             <a:fld id="{7A6EDDDE-DBE4-4114-B865-EC3A2920782E}" type="datetime1">
               <a:rPr lang="en-US" smtClean="0"/>
-              <a:t>1/16/2019</a:t>
+              <a:t>1/21/2019</a:t>
             </a:fld>
             <a:endParaRPr lang="en-US"/>
           </a:p>
@@ -1872,7 +1872,7 @@
           <a:p>
             <a:fld id="{8DA96907-43AE-4B1E-B5FF-6853ADDA5697}" type="datetime1">
               <a:rPr lang="en-US" smtClean="0"/>
-              <a:t>1/16/2019</a:t>
+              <a:t>1/21/2019</a:t>
             </a:fld>
             <a:endParaRPr lang="en-US"/>
           </a:p>
@@ -2040,7 +2040,7 @@
           <a:p>
             <a:fld id="{2E65DF97-DE0F-4515-8F8D-0E1C627BC4E9}" type="datetime1">
               <a:rPr lang="en-US" smtClean="0"/>
-              <a:t>1/16/2019</a:t>
+              <a:t>1/21/2019</a:t>
             </a:fld>
             <a:endParaRPr lang="en-US"/>
           </a:p>
@@ -2352,7 +2352,7 @@
           <a:p>
             <a:fld id="{23B9FD00-80D5-4EA7-B536-8F4F2C3959C9}" type="datetime1">
               <a:rPr lang="en-US" smtClean="0"/>
-              <a:t>1/16/2019</a:t>
+              <a:t>1/21/2019</a:t>
             </a:fld>
             <a:endParaRPr lang="en-US"/>
           </a:p>
@@ -2664,7 +2664,7 @@
           <a:p>
             <a:fld id="{DAC77084-4DB4-4A23-9870-BF49183ACB4C}" type="datetime1">
               <a:rPr lang="en-US" smtClean="0"/>
-              <a:t>1/16/2019</a:t>
+              <a:t>1/21/2019</a:t>
             </a:fld>
             <a:endParaRPr lang="en-US"/>
           </a:p>
@@ -2850,7 +2850,7 @@
           <a:p>
             <a:fld id="{6E487ECE-0D8C-4AFB-BD35-997F06E0971C}" type="datetime1">
               <a:rPr lang="en-US" smtClean="0"/>
-              <a:t>1/16/2019</a:t>
+              <a:t>1/21/2019</a:t>
             </a:fld>
             <a:endParaRPr lang="en-US"/>
           </a:p>
@@ -3059,7 +3059,7 @@
           <a:p>
             <a:fld id="{D4F6DC8D-78A1-49CC-B033-F77D87B04958}" type="datetime1">
               <a:rPr lang="en-US" smtClean="0"/>
-              <a:t>1/16/2019</a:t>
+              <a:t>1/21/2019</a:t>
             </a:fld>
             <a:endParaRPr lang="en-US"/>
           </a:p>
@@ -3362,7 +3362,7 @@
           <a:p>
             <a:fld id="{3BCF4A7C-A413-48DA-9211-5240CAEE1DD4}" type="datetime1">
               <a:rPr lang="en-US" smtClean="0"/>
-              <a:t>1/16/2019</a:t>
+              <a:t>1/21/2019</a:t>
             </a:fld>
             <a:endParaRPr lang="en-US"/>
           </a:p>
@@ -3804,7 +3804,7 @@
           <a:p>
             <a:fld id="{AAE887C4-8D00-4515-BD6B-6D6B646F02F7}" type="datetime1">
               <a:rPr lang="en-US" smtClean="0"/>
-              <a:t>1/16/2019</a:t>
+              <a:t>1/21/2019</a:t>
             </a:fld>
             <a:endParaRPr lang="en-US"/>
           </a:p>
@@ -3939,7 +3939,7 @@
           <a:p>
             <a:fld id="{10C13C5A-776A-4D2B-A91E-2ACB7D90E7CC}" type="datetime1">
               <a:rPr lang="en-US" smtClean="0"/>
-              <a:t>1/16/2019</a:t>
+              <a:t>1/21/2019</a:t>
             </a:fld>
             <a:endParaRPr lang="en-US"/>
           </a:p>
@@ -4052,7 +4052,7 @@
           <a:p>
             <a:fld id="{00A5D59F-6FC3-492C-BAE3-F50C9D1FBA31}" type="datetime1">
               <a:rPr lang="en-US" smtClean="0"/>
-              <a:t>1/16/2019</a:t>
+              <a:t>1/21/2019</a:t>
             </a:fld>
             <a:endParaRPr lang="en-US"/>
           </a:p>
@@ -4345,7 +4345,7 @@
           <a:p>
             <a:fld id="{CD78B45F-E474-4F2F-801A-58FC9FE22655}" type="datetime1">
               <a:rPr lang="en-US" smtClean="0"/>
-              <a:t>1/16/2019</a:t>
+              <a:t>1/21/2019</a:t>
             </a:fld>
             <a:endParaRPr lang="en-US"/>
           </a:p>
@@ -4619,7 +4619,7 @@
           <a:p>
             <a:fld id="{FDF35450-A835-4587-8F84-782057674F92}" type="datetime1">
               <a:rPr lang="en-US" smtClean="0"/>
-              <a:t>1/16/2019</a:t>
+              <a:t>1/21/2019</a:t>
             </a:fld>
             <a:endParaRPr lang="en-US"/>
           </a:p>
@@ -4741,17 +4741,17 @@
           </a:ln>
           <a:extLst>
             <a:ext uri="{FAA26D3D-D897-4be2-8F04-BA451C77F1D7}">
-              <ma14:placeholderFlag xmlns="" xmlns:ma14="http://schemas.microsoft.com/office/mac/drawingml/2011/main" val="1"/>
+              <ma14:placeholderFlag xmlns:ma14="http://schemas.microsoft.com/office/mac/drawingml/2011/main" xmlns="" val="1"/>
             </a:ext>
             <a:ext uri="{909E8E84-426E-40dd-AFC4-6F175D3DCCD1}">
-              <a14:hiddenFill xmlns="" xmlns:a14="http://schemas.microsoft.com/office/drawing/2010/main">
+              <a14:hiddenFill xmlns:a14="http://schemas.microsoft.com/office/drawing/2010/main" xmlns="">
                 <a:solidFill>
                   <a:srgbClr val="FFFFFF"/>
                 </a:solidFill>
               </a14:hiddenFill>
             </a:ext>
             <a:ext uri="{91240B29-F687-4f45-9708-019B960494DF}">
-              <a14:hiddenLine xmlns="" xmlns:a14="http://schemas.microsoft.com/office/drawing/2010/main" w="9525">
+              <a14:hiddenLine xmlns:a14="http://schemas.microsoft.com/office/drawing/2010/main" xmlns="" w="9525">
                 <a:solidFill>
                   <a:srgbClr val="000000"/>
                 </a:solidFill>
@@ -4803,17 +4803,17 @@
           </a:ln>
           <a:extLst>
             <a:ext uri="{FAA26D3D-D897-4be2-8F04-BA451C77F1D7}">
-              <ma14:placeholderFlag xmlns="" xmlns:ma14="http://schemas.microsoft.com/office/mac/drawingml/2011/main" val="1"/>
+              <ma14:placeholderFlag xmlns:ma14="http://schemas.microsoft.com/office/mac/drawingml/2011/main" xmlns="" val="1"/>
             </a:ext>
             <a:ext uri="{909E8E84-426E-40dd-AFC4-6F175D3DCCD1}">
-              <a14:hiddenFill xmlns="" xmlns:a14="http://schemas.microsoft.com/office/drawing/2010/main">
+              <a14:hiddenFill xmlns:a14="http://schemas.microsoft.com/office/drawing/2010/main" xmlns="">
                 <a:solidFill>
                   <a:srgbClr val="FFFFFF"/>
                 </a:solidFill>
               </a14:hiddenFill>
             </a:ext>
             <a:ext uri="{91240B29-F687-4f45-9708-019B960494DF}">
-              <a14:hiddenLine xmlns="" xmlns:a14="http://schemas.microsoft.com/office/drawing/2010/main" w="9525">
+              <a14:hiddenLine xmlns:a14="http://schemas.microsoft.com/office/drawing/2010/main" xmlns="" w="9525">
                 <a:solidFill>
                   <a:srgbClr val="000000"/>
                 </a:solidFill>
@@ -4913,7 +4913,7 @@
           <a:p>
             <a:fld id="{F6803E09-2A09-4EEA-8E99-292225B5EDFC}" type="datetime1">
               <a:rPr lang="en-US" smtClean="0"/>
-              <a:t>1/16/2019</a:t>
+              <a:t>1/21/2019</a:t>
             </a:fld>
             <a:endParaRPr lang="en-US"/>
           </a:p>
@@ -5081,7 +5081,7 @@
           </a:ln>
           <a:extLst>
             <a:ext uri="{909E8E84-426E-40dd-AFC4-6F175D3DCCD1}">
-              <a14:hiddenFill xmlns="" xmlns:a14="http://schemas.microsoft.com/office/drawing/2010/main">
+              <a14:hiddenFill xmlns:a14="http://schemas.microsoft.com/office/drawing/2010/main" xmlns="">
                 <a:solidFill>
                   <a:srgbClr val="FFFFFF"/>
                 </a:solidFill>
@@ -5124,7 +5124,7 @@
           </a:ln>
           <a:extLst>
             <a:ext uri="{909E8E84-426E-40dd-AFC4-6F175D3DCCD1}">
-              <a14:hiddenFill xmlns="" xmlns:a14="http://schemas.microsoft.com/office/drawing/2010/main">
+              <a14:hiddenFill xmlns:a14="http://schemas.microsoft.com/office/drawing/2010/main" xmlns="">
                 <a:noFill/>
               </a14:hiddenFill>
             </a:ext>
@@ -5609,7 +5609,7 @@
           <p:cNvPr id="2" name="Title 1">
             <a:extLst>
               <a:ext uri="{FF2B5EF4-FFF2-40B4-BE49-F238E27FC236}">
-                <a16:creationId xmlns="" xmlns:a16="http://schemas.microsoft.com/office/drawing/2014/main" id="{4819A39B-28BB-4873-9914-8FEE18891DD4}"/>
+                <a16:creationId xmlns:a16="http://schemas.microsoft.com/office/drawing/2014/main" xmlns="" id="{4819A39B-28BB-4873-9914-8FEE18891DD4}"/>
               </a:ext>
             </a:extLst>
           </p:cNvPr>
@@ -5648,7 +5648,7 @@
           <p:cNvPr id="5" name="Subtitle 2">
             <a:extLst>
               <a:ext uri="{FF2B5EF4-FFF2-40B4-BE49-F238E27FC236}">
-                <a16:creationId xmlns="" xmlns:a16="http://schemas.microsoft.com/office/drawing/2014/main" id="{2BECD79D-0B3A-44C2-A155-03EC2A6A5D3B}"/>
+                <a16:creationId xmlns:a16="http://schemas.microsoft.com/office/drawing/2014/main" xmlns="" id="{2BECD79D-0B3A-44C2-A155-03EC2A6A5D3B}"/>
               </a:ext>
             </a:extLst>
           </p:cNvPr>
@@ -5671,17 +5671,17 @@
           </a:ln>
           <a:extLst>
             <a:ext uri="{FAA26D3D-D897-4be2-8F04-BA451C77F1D7}">
-              <ma14:placeholderFlag xmlns="" xmlns:ma14="http://schemas.microsoft.com/office/mac/drawingml/2011/main" val="1"/>
+              <ma14:placeholderFlag xmlns:ma14="http://schemas.microsoft.com/office/mac/drawingml/2011/main" xmlns="" val="1"/>
             </a:ext>
             <a:ext uri="{909E8E84-426E-40dd-AFC4-6F175D3DCCD1}">
-              <a14:hiddenFill xmlns="" xmlns:a14="http://schemas.microsoft.com/office/drawing/2010/main">
+              <a14:hiddenFill xmlns:a14="http://schemas.microsoft.com/office/drawing/2010/main" xmlns="">
                 <a:solidFill>
                   <a:srgbClr val="FFFFFF"/>
                 </a:solidFill>
               </a14:hiddenFill>
             </a:ext>
             <a:ext uri="{91240B29-F687-4f45-9708-019B960494DF}">
-              <a14:hiddenLine xmlns="" xmlns:a14="http://schemas.microsoft.com/office/drawing/2010/main" w="9525">
+              <a14:hiddenLine xmlns:a14="http://schemas.microsoft.com/office/drawing/2010/main" xmlns="" w="9525">
                 <a:solidFill>
                   <a:srgbClr val="000000"/>
                 </a:solidFill>
@@ -5931,7 +5931,7 @@
             </a:r>
             <a:r>
               <a:rPr lang="en-US" kern="0" dirty="0" smtClean="0"/>
-              <a:t>2018</a:t>
+              <a:t>2019</a:t>
             </a:r>
             <a:endParaRPr lang="en-US" kern="0" dirty="0"/>
           </a:p>
@@ -5972,7 +5972,7 @@
           <p:cNvPr id="2" name="Title 1">
             <a:extLst>
               <a:ext uri="{FF2B5EF4-FFF2-40B4-BE49-F238E27FC236}">
-                <a16:creationId xmlns="" xmlns:a16="http://schemas.microsoft.com/office/drawing/2014/main" id="{3F85E31D-5021-4B9C-A2F6-6670EA453677}"/>
+                <a16:creationId xmlns:a16="http://schemas.microsoft.com/office/drawing/2014/main" xmlns="" id="{3F85E31D-5021-4B9C-A2F6-6670EA453677}"/>
               </a:ext>
             </a:extLst>
           </p:cNvPr>
@@ -6001,7 +6001,7 @@
           <p:cNvPr id="3" name="Content Placeholder 2">
             <a:extLst>
               <a:ext uri="{FF2B5EF4-FFF2-40B4-BE49-F238E27FC236}">
-                <a16:creationId xmlns="" xmlns:a16="http://schemas.microsoft.com/office/drawing/2014/main" id="{28B492CE-B56B-411E-ACCC-F83AC37AA46D}"/>
+                <a16:creationId xmlns:a16="http://schemas.microsoft.com/office/drawing/2014/main" xmlns="" id="{28B492CE-B56B-411E-ACCC-F83AC37AA46D}"/>
               </a:ext>
             </a:extLst>
           </p:cNvPr>
@@ -6058,7 +6058,7 @@
           <p:cNvPr id="4" name="Slide Number Placeholder 3">
             <a:extLst>
               <a:ext uri="{FF2B5EF4-FFF2-40B4-BE49-F238E27FC236}">
-                <a16:creationId xmlns="" xmlns:a16="http://schemas.microsoft.com/office/drawing/2014/main" id="{EC538D91-6F8B-42BB-A135-BD948D230469}"/>
+                <a16:creationId xmlns:a16="http://schemas.microsoft.com/office/drawing/2014/main" xmlns="" id="{EC538D91-6F8B-42BB-A135-BD948D230469}"/>
               </a:ext>
             </a:extLst>
           </p:cNvPr>
@@ -6117,7 +6117,7 @@
           <p:cNvPr id="2" name="Title 1">
             <a:extLst>
               <a:ext uri="{FF2B5EF4-FFF2-40B4-BE49-F238E27FC236}">
-                <a16:creationId xmlns="" xmlns:a16="http://schemas.microsoft.com/office/drawing/2014/main" id="{3F85E31D-5021-4B9C-A2F6-6670EA453677}"/>
+                <a16:creationId xmlns:a16="http://schemas.microsoft.com/office/drawing/2014/main" xmlns="" id="{3F85E31D-5021-4B9C-A2F6-6670EA453677}"/>
               </a:ext>
             </a:extLst>
           </p:cNvPr>
@@ -6146,7 +6146,7 @@
           <p:cNvPr id="3" name="Content Placeholder 2">
             <a:extLst>
               <a:ext uri="{FF2B5EF4-FFF2-40B4-BE49-F238E27FC236}">
-                <a16:creationId xmlns="" xmlns:a16="http://schemas.microsoft.com/office/drawing/2014/main" id="{28B492CE-B56B-411E-ACCC-F83AC37AA46D}"/>
+                <a16:creationId xmlns:a16="http://schemas.microsoft.com/office/drawing/2014/main" xmlns="" id="{28B492CE-B56B-411E-ACCC-F83AC37AA46D}"/>
               </a:ext>
             </a:extLst>
           </p:cNvPr>
@@ -6334,7 +6334,7 @@
           <p:cNvPr id="4" name="Slide Number Placeholder 3">
             <a:extLst>
               <a:ext uri="{FF2B5EF4-FFF2-40B4-BE49-F238E27FC236}">
-                <a16:creationId xmlns="" xmlns:a16="http://schemas.microsoft.com/office/drawing/2014/main" id="{EC538D91-6F8B-42BB-A135-BD948D230469}"/>
+                <a16:creationId xmlns:a16="http://schemas.microsoft.com/office/drawing/2014/main" xmlns="" id="{EC538D91-6F8B-42BB-A135-BD948D230469}"/>
               </a:ext>
             </a:extLst>
           </p:cNvPr>
